--- a/SQL/PPT/SQL Development Basic-Development.pptx
+++ b/SQL/PPT/SQL Development Basic-Development.pptx
@@ -5,10 +5,10 @@
     <p:sldMasterId id="2147483658" r:id="rId1"/>
   </p:sldMasterIdLst>
   <p:notesMasterIdLst>
-    <p:notesMasterId r:id="rId12"/>
+    <p:notesMasterId r:id="rId13"/>
   </p:notesMasterIdLst>
   <p:handoutMasterIdLst>
-    <p:handoutMasterId r:id="rId13"/>
+    <p:handoutMasterId r:id="rId14"/>
   </p:handoutMasterIdLst>
   <p:sldIdLst>
     <p:sldId id="282" r:id="rId2"/>
@@ -21,44 +21,45 @@
     <p:sldId id="289" r:id="rId9"/>
     <p:sldId id="290" r:id="rId10"/>
     <p:sldId id="291" r:id="rId11"/>
+    <p:sldId id="292" r:id="rId12"/>
   </p:sldIdLst>
   <p:sldSz cx="9144000" cy="5143500" type="screen16x9"/>
   <p:notesSz cx="6858000" cy="9144000"/>
   <p:embeddedFontLst>
     <p:embeddedFont>
       <p:font typeface="Barlow" panose="00000500000000000000" pitchFamily="2" charset="0"/>
-      <p:regular r:id="rId14"/>
-      <p:bold r:id="rId15"/>
-      <p:italic r:id="rId16"/>
-      <p:boldItalic r:id="rId17"/>
+      <p:regular r:id="rId15"/>
+      <p:bold r:id="rId16"/>
+      <p:italic r:id="rId17"/>
+      <p:boldItalic r:id="rId18"/>
     </p:embeddedFont>
     <p:embeddedFont>
       <p:font typeface="Barlow Light" panose="00000400000000000000" pitchFamily="2" charset="0"/>
-      <p:regular r:id="rId18"/>
-      <p:bold r:id="rId19"/>
-      <p:italic r:id="rId20"/>
-      <p:boldItalic r:id="rId21"/>
+      <p:regular r:id="rId19"/>
+      <p:bold r:id="rId20"/>
+      <p:italic r:id="rId21"/>
+      <p:boldItalic r:id="rId22"/>
     </p:embeddedFont>
     <p:embeddedFont>
       <p:font typeface="Calibri" panose="020F0502020204030204" pitchFamily="34" charset="0"/>
-      <p:regular r:id="rId22"/>
-      <p:bold r:id="rId23"/>
-      <p:italic r:id="rId24"/>
-      <p:boldItalic r:id="rId25"/>
+      <p:regular r:id="rId23"/>
+      <p:bold r:id="rId24"/>
+      <p:italic r:id="rId25"/>
+      <p:boldItalic r:id="rId26"/>
     </p:embeddedFont>
     <p:embeddedFont>
       <p:font typeface="Consolas" panose="020B0609020204030204" pitchFamily="49" charset="0"/>
-      <p:regular r:id="rId26"/>
-      <p:bold r:id="rId27"/>
-      <p:italic r:id="rId28"/>
-      <p:boldItalic r:id="rId29"/>
+      <p:regular r:id="rId27"/>
+      <p:bold r:id="rId28"/>
+      <p:italic r:id="rId29"/>
+      <p:boldItalic r:id="rId30"/>
     </p:embeddedFont>
     <p:embeddedFont>
       <p:font typeface="Raleway Thin" panose="020B0203030101060003" pitchFamily="34" charset="0"/>
-      <p:regular r:id="rId30"/>
-      <p:bold r:id="rId31"/>
-      <p:italic r:id="rId32"/>
-      <p:boldItalic r:id="rId33"/>
+      <p:regular r:id="rId31"/>
+      <p:bold r:id="rId32"/>
+      <p:italic r:id="rId33"/>
+      <p:boldItalic r:id="rId34"/>
     </p:embeddedFont>
   </p:embeddedFontLst>
   <p:defaultTextStyle>
@@ -419,7 +420,7 @@
           <a:p>
             <a:fld id="{D6BE4906-B050-4F26-A0A8-30A3244B869A}" type="datetimeFigureOut">
               <a:rPr lang="en-US" smtClean="0"/>
-              <a:t>5/1/2023</a:t>
+              <a:t>5/11/2023</a:t>
             </a:fld>
             <a:endParaRPr lang="en-US"/>
           </a:p>
@@ -1161,6 +1162,115 @@
     <p:extLst>
       <p:ext uri="{BB962C8B-B14F-4D97-AF65-F5344CB8AC3E}">
         <p14:creationId xmlns:p14="http://schemas.microsoft.com/office/powerpoint/2010/main" val="1513148392"/>
+      </p:ext>
+    </p:extLst>
+  </p:cSld>
+  <p:clrMapOvr>
+    <a:masterClrMapping/>
+  </p:clrMapOvr>
+</p:notes>
+</file>
+
+<file path=ppt/notesSlides/notesSlide11.xml><?xml version="1.0" encoding="utf-8"?>
+<p:notes xmlns:a="http://schemas.openxmlformats.org/drawingml/2006/main" xmlns:r="http://schemas.openxmlformats.org/officeDocument/2006/relationships" xmlns:p="http://schemas.openxmlformats.org/presentationml/2006/main" showMasterSp="0" showMasterPhAnim="0">
+  <p:cSld>
+    <p:spTree>
+      <p:nvGrpSpPr>
+        <p:cNvPr id="1" name="Shape 2247"/>
+        <p:cNvGrpSpPr/>
+        <p:nvPr/>
+      </p:nvGrpSpPr>
+      <p:grpSpPr>
+        <a:xfrm>
+          <a:off x="0" y="0"/>
+          <a:ext cx="0" cy="0"/>
+          <a:chOff x="0" y="0"/>
+          <a:chExt cx="0" cy="0"/>
+        </a:xfrm>
+      </p:grpSpPr>
+      <p:sp>
+        <p:nvSpPr>
+          <p:cNvPr id="2248" name="Google Shape;2248;gc620bbb036_0_5:notes"/>
+          <p:cNvSpPr>
+            <a:spLocks noGrp="1" noRot="1" noChangeAspect="1"/>
+          </p:cNvSpPr>
+          <p:nvPr>
+            <p:ph type="sldImg" idx="2"/>
+          </p:nvPr>
+        </p:nvSpPr>
+        <p:spPr>
+          <a:xfrm>
+            <a:off x="381000" y="685800"/>
+            <a:ext cx="6096000" cy="3429000"/>
+          </a:xfrm>
+          <a:custGeom>
+            <a:avLst/>
+            <a:gdLst/>
+            <a:ahLst/>
+            <a:cxnLst/>
+            <a:rect l="l" t="t" r="r" b="b"/>
+            <a:pathLst>
+              <a:path w="120000" h="120000" extrusionOk="0">
+                <a:moveTo>
+                  <a:pt x="0" y="0"/>
+                </a:moveTo>
+                <a:lnTo>
+                  <a:pt x="120000" y="0"/>
+                </a:lnTo>
+                <a:lnTo>
+                  <a:pt x="120000" y="120000"/>
+                </a:lnTo>
+                <a:lnTo>
+                  <a:pt x="0" y="120000"/>
+                </a:lnTo>
+                <a:close/>
+              </a:path>
+            </a:pathLst>
+          </a:custGeom>
+        </p:spPr>
+      </p:sp>
+      <p:sp>
+        <p:nvSpPr>
+          <p:cNvPr id="2249" name="Google Shape;2249;gc620bbb036_0_5:notes"/>
+          <p:cNvSpPr txBox="1">
+            <a:spLocks noGrp="1"/>
+          </p:cNvSpPr>
+          <p:nvPr>
+            <p:ph type="body" idx="1"/>
+          </p:nvPr>
+        </p:nvSpPr>
+        <p:spPr>
+          <a:xfrm>
+            <a:off x="685800" y="4343400"/>
+            <a:ext cx="5486400" cy="4114800"/>
+          </a:xfrm>
+          <a:prstGeom prst="rect">
+            <a:avLst/>
+          </a:prstGeom>
+        </p:spPr>
+        <p:txBody>
+          <a:bodyPr spcFirstLastPara="1" wrap="square" lIns="91425" tIns="91425" rIns="91425" bIns="91425" anchor="t" anchorCtr="0">
+            <a:noAutofit/>
+          </a:bodyPr>
+          <a:lstStyle/>
+          <a:p>
+            <a:pPr marL="0" lvl="0" indent="0" algn="l" rtl="0">
+              <a:spcBef>
+                <a:spcPts val="0"/>
+              </a:spcBef>
+              <a:spcAft>
+                <a:spcPts val="0"/>
+              </a:spcAft>
+              <a:buNone/>
+            </a:pPr>
+            <a:endParaRPr/>
+          </a:p>
+        </p:txBody>
+      </p:sp>
+    </p:spTree>
+    <p:extLst>
+      <p:ext uri="{BB962C8B-B14F-4D97-AF65-F5344CB8AC3E}">
+        <p14:creationId xmlns:p14="http://schemas.microsoft.com/office/powerpoint/2010/main" val="1655390592"/>
       </p:ext>
     </p:extLst>
   </p:cSld>
@@ -7816,6 +7926,1875 @@
     <p:extLst>
       <p:ext uri="{BB962C8B-B14F-4D97-AF65-F5344CB8AC3E}">
         <p14:creationId xmlns:p14="http://schemas.microsoft.com/office/powerpoint/2010/main" val="1995829387"/>
+      </p:ext>
+    </p:extLst>
+  </p:cSld>
+  <p:clrMapOvr>
+    <a:masterClrMapping/>
+  </p:clrMapOvr>
+</p:sld>
+</file>
+
+<file path=ppt/slides/slide11.xml><?xml version="1.0" encoding="utf-8"?>
+<p:sld xmlns:a="http://schemas.openxmlformats.org/drawingml/2006/main" xmlns:r="http://schemas.openxmlformats.org/officeDocument/2006/relationships" xmlns:p="http://schemas.openxmlformats.org/presentationml/2006/main">
+  <p:cSld>
+    <p:spTree>
+      <p:nvGrpSpPr>
+        <p:cNvPr id="1" name="Shape 2250"/>
+        <p:cNvGrpSpPr/>
+        <p:nvPr/>
+      </p:nvGrpSpPr>
+      <p:grpSpPr>
+        <a:xfrm>
+          <a:off x="0" y="0"/>
+          <a:ext cx="0" cy="0"/>
+          <a:chOff x="0" y="0"/>
+          <a:chExt cx="0" cy="0"/>
+        </a:xfrm>
+      </p:grpSpPr>
+      <p:sp>
+        <p:nvSpPr>
+          <p:cNvPr id="10" name="Google Shape;2264;p38">
+            <a:extLst>
+              <a:ext uri="{FF2B5EF4-FFF2-40B4-BE49-F238E27FC236}">
+                <a16:creationId xmlns:a16="http://schemas.microsoft.com/office/drawing/2014/main" id="{F7859653-640E-5B7F-1D03-A2012FDD7A97}"/>
+              </a:ext>
+            </a:extLst>
+          </p:cNvPr>
+          <p:cNvSpPr/>
+          <p:nvPr/>
+        </p:nvSpPr>
+        <p:spPr>
+          <a:xfrm>
+            <a:off x="6524505" y="2755950"/>
+            <a:ext cx="1671037" cy="393600"/>
+          </a:xfrm>
+          <a:prstGeom prst="homePlate">
+            <a:avLst>
+              <a:gd name="adj" fmla="val 32030"/>
+            </a:avLst>
+          </a:prstGeom>
+          <a:solidFill>
+            <a:schemeClr val="accent1"/>
+          </a:solidFill>
+          <a:ln>
+            <a:noFill/>
+          </a:ln>
+          <a:effectLst>
+            <a:outerShdw blurRad="28575" dist="9525" algn="bl" rotWithShape="0">
+              <a:srgbClr val="000000">
+                <a:alpha val="20000"/>
+              </a:srgbClr>
+            </a:outerShdw>
+          </a:effectLst>
+        </p:spPr>
+        <p:txBody>
+          <a:bodyPr spcFirstLastPara="1" wrap="square" lIns="274300" tIns="0" rIns="0" bIns="0" anchor="ctr" anchorCtr="0">
+            <a:noAutofit/>
+          </a:bodyPr>
+          <a:lstStyle/>
+          <a:p>
+            <a:pPr marL="0" marR="0" lvl="0" indent="0" algn="l" defTabSz="914400" rtl="0" eaLnBrk="1" fontAlgn="auto" latinLnBrk="0" hangingPunct="1">
+              <a:lnSpc>
+                <a:spcPct val="100000"/>
+              </a:lnSpc>
+              <a:spcBef>
+                <a:spcPts val="0"/>
+              </a:spcBef>
+              <a:spcAft>
+                <a:spcPts val="0"/>
+              </a:spcAft>
+              <a:buClr>
+                <a:srgbClr val="000000"/>
+              </a:buClr>
+              <a:buSzTx/>
+              <a:buFont typeface="Arial"/>
+              <a:buNone/>
+              <a:tabLst/>
+              <a:defRPr/>
+            </a:pPr>
+            <a:r>
+              <a:rPr kumimoji="0" lang="en" sz="1000" b="0" i="0" u="none" strike="noStrike" kern="0" cap="none" spc="0" normalizeH="0" baseline="0" noProof="0" dirty="0">
+                <a:ln>
+                  <a:noFill/>
+                </a:ln>
+                <a:solidFill>
+                  <a:srgbClr val="FFFFFF"/>
+                </a:solidFill>
+                <a:effectLst/>
+                <a:uLnTx/>
+                <a:uFillTx/>
+                <a:latin typeface="Barlow"/>
+                <a:ea typeface="Barlow"/>
+                <a:cs typeface="Barlow"/>
+                <a:sym typeface="Barlow"/>
+              </a:rPr>
+              <a:t>STEP 5</a:t>
+            </a:r>
+            <a:endParaRPr kumimoji="0" sz="1000" b="0" i="0" u="none" strike="noStrike" kern="0" cap="none" spc="0" normalizeH="0" baseline="0" noProof="0" dirty="0">
+              <a:ln>
+                <a:noFill/>
+              </a:ln>
+              <a:solidFill>
+                <a:srgbClr val="FFFFFF"/>
+              </a:solidFill>
+              <a:effectLst/>
+              <a:uLnTx/>
+              <a:uFillTx/>
+              <a:latin typeface="Barlow"/>
+              <a:ea typeface="Barlow"/>
+              <a:cs typeface="Barlow"/>
+              <a:sym typeface="Barlow"/>
+            </a:endParaRPr>
+          </a:p>
+        </p:txBody>
+      </p:sp>
+      <p:sp>
+        <p:nvSpPr>
+          <p:cNvPr id="7" name="Google Shape;2264;p38">
+            <a:extLst>
+              <a:ext uri="{FF2B5EF4-FFF2-40B4-BE49-F238E27FC236}">
+                <a16:creationId xmlns:a16="http://schemas.microsoft.com/office/drawing/2014/main" id="{3465A03F-C7C3-E5A3-8AE8-9E25BFDE334F}"/>
+              </a:ext>
+            </a:extLst>
+          </p:cNvPr>
+          <p:cNvSpPr/>
+          <p:nvPr/>
+        </p:nvSpPr>
+        <p:spPr>
+          <a:xfrm>
+            <a:off x="5010050" y="2755950"/>
+            <a:ext cx="1671037" cy="393600"/>
+          </a:xfrm>
+          <a:prstGeom prst="homePlate">
+            <a:avLst>
+              <a:gd name="adj" fmla="val 32030"/>
+            </a:avLst>
+          </a:prstGeom>
+          <a:solidFill>
+            <a:schemeClr val="accent1"/>
+          </a:solidFill>
+          <a:ln>
+            <a:noFill/>
+          </a:ln>
+          <a:effectLst>
+            <a:outerShdw blurRad="28575" dist="9525" algn="bl" rotWithShape="0">
+              <a:srgbClr val="000000">
+                <a:alpha val="20000"/>
+              </a:srgbClr>
+            </a:outerShdw>
+          </a:effectLst>
+        </p:spPr>
+        <p:txBody>
+          <a:bodyPr spcFirstLastPara="1" wrap="square" lIns="274300" tIns="0" rIns="0" bIns="0" anchor="ctr" anchorCtr="0">
+            <a:noAutofit/>
+          </a:bodyPr>
+          <a:lstStyle/>
+          <a:p>
+            <a:pPr marL="0" marR="0" lvl="0" indent="0" algn="l" defTabSz="914400" rtl="0" eaLnBrk="1" fontAlgn="auto" latinLnBrk="0" hangingPunct="1">
+              <a:lnSpc>
+                <a:spcPct val="100000"/>
+              </a:lnSpc>
+              <a:spcBef>
+                <a:spcPts val="0"/>
+              </a:spcBef>
+              <a:spcAft>
+                <a:spcPts val="0"/>
+              </a:spcAft>
+              <a:buClr>
+                <a:srgbClr val="000000"/>
+              </a:buClr>
+              <a:buSzTx/>
+              <a:buFont typeface="Arial"/>
+              <a:buNone/>
+              <a:tabLst/>
+              <a:defRPr/>
+            </a:pPr>
+            <a:r>
+              <a:rPr kumimoji="0" lang="en" sz="1000" b="0" i="0" u="none" strike="noStrike" kern="0" cap="none" spc="0" normalizeH="0" baseline="0" noProof="0" dirty="0">
+                <a:ln>
+                  <a:noFill/>
+                </a:ln>
+                <a:solidFill>
+                  <a:srgbClr val="FFFFFF"/>
+                </a:solidFill>
+                <a:effectLst/>
+                <a:uLnTx/>
+                <a:uFillTx/>
+                <a:latin typeface="Barlow"/>
+                <a:ea typeface="Barlow"/>
+                <a:cs typeface="Barlow"/>
+                <a:sym typeface="Barlow"/>
+              </a:rPr>
+              <a:t>STEP 4</a:t>
+            </a:r>
+            <a:endParaRPr kumimoji="0" sz="1000" b="0" i="0" u="none" strike="noStrike" kern="0" cap="none" spc="0" normalizeH="0" baseline="0" noProof="0" dirty="0">
+              <a:ln>
+                <a:noFill/>
+              </a:ln>
+              <a:solidFill>
+                <a:srgbClr val="FFFFFF"/>
+              </a:solidFill>
+              <a:effectLst/>
+              <a:uLnTx/>
+              <a:uFillTx/>
+              <a:latin typeface="Barlow"/>
+              <a:ea typeface="Barlow"/>
+              <a:cs typeface="Barlow"/>
+              <a:sym typeface="Barlow"/>
+            </a:endParaRPr>
+          </a:p>
+        </p:txBody>
+      </p:sp>
+      <p:sp>
+        <p:nvSpPr>
+          <p:cNvPr id="8" name="Google Shape;2264;p38">
+            <a:extLst>
+              <a:ext uri="{FF2B5EF4-FFF2-40B4-BE49-F238E27FC236}">
+                <a16:creationId xmlns:a16="http://schemas.microsoft.com/office/drawing/2014/main" id="{8C46A325-20CA-2169-FA5C-C1A549F2C8B3}"/>
+              </a:ext>
+            </a:extLst>
+          </p:cNvPr>
+          <p:cNvSpPr/>
+          <p:nvPr/>
+        </p:nvSpPr>
+        <p:spPr>
+          <a:xfrm>
+            <a:off x="3506932" y="2755950"/>
+            <a:ext cx="1671037" cy="393600"/>
+          </a:xfrm>
+          <a:prstGeom prst="homePlate">
+            <a:avLst>
+              <a:gd name="adj" fmla="val 32030"/>
+            </a:avLst>
+          </a:prstGeom>
+          <a:solidFill>
+            <a:schemeClr val="accent1"/>
+          </a:solidFill>
+          <a:ln>
+            <a:noFill/>
+          </a:ln>
+          <a:effectLst>
+            <a:outerShdw blurRad="28575" dist="9525" algn="bl" rotWithShape="0">
+              <a:srgbClr val="000000">
+                <a:alpha val="20000"/>
+              </a:srgbClr>
+            </a:outerShdw>
+          </a:effectLst>
+        </p:spPr>
+        <p:txBody>
+          <a:bodyPr spcFirstLastPara="1" wrap="square" lIns="274300" tIns="0" rIns="0" bIns="0" anchor="ctr" anchorCtr="0">
+            <a:noAutofit/>
+          </a:bodyPr>
+          <a:lstStyle/>
+          <a:p>
+            <a:pPr marL="0" marR="0" lvl="0" indent="0" algn="l" defTabSz="914400" rtl="0" eaLnBrk="1" fontAlgn="auto" latinLnBrk="0" hangingPunct="1">
+              <a:lnSpc>
+                <a:spcPct val="100000"/>
+              </a:lnSpc>
+              <a:spcBef>
+                <a:spcPts val="0"/>
+              </a:spcBef>
+              <a:spcAft>
+                <a:spcPts val="0"/>
+              </a:spcAft>
+              <a:buClr>
+                <a:srgbClr val="000000"/>
+              </a:buClr>
+              <a:buSzTx/>
+              <a:buFont typeface="Arial"/>
+              <a:buNone/>
+              <a:tabLst/>
+              <a:defRPr/>
+            </a:pPr>
+            <a:r>
+              <a:rPr kumimoji="0" lang="en" sz="1000" b="0" i="0" u="none" strike="noStrike" kern="0" cap="none" spc="0" normalizeH="0" baseline="0" noProof="0" dirty="0">
+                <a:ln>
+                  <a:noFill/>
+                </a:ln>
+                <a:solidFill>
+                  <a:srgbClr val="FFFFFF"/>
+                </a:solidFill>
+                <a:effectLst/>
+                <a:uLnTx/>
+                <a:uFillTx/>
+                <a:latin typeface="Barlow"/>
+                <a:ea typeface="Barlow"/>
+                <a:cs typeface="Barlow"/>
+                <a:sym typeface="Barlow"/>
+              </a:rPr>
+              <a:t>STEP 3</a:t>
+            </a:r>
+            <a:endParaRPr kumimoji="0" sz="1000" b="0" i="0" u="none" strike="noStrike" kern="0" cap="none" spc="0" normalizeH="0" baseline="0" noProof="0" dirty="0">
+              <a:ln>
+                <a:noFill/>
+              </a:ln>
+              <a:solidFill>
+                <a:srgbClr val="FFFFFF"/>
+              </a:solidFill>
+              <a:effectLst/>
+              <a:uLnTx/>
+              <a:uFillTx/>
+              <a:latin typeface="Barlow"/>
+              <a:ea typeface="Barlow"/>
+              <a:cs typeface="Barlow"/>
+              <a:sym typeface="Barlow"/>
+            </a:endParaRPr>
+          </a:p>
+        </p:txBody>
+      </p:sp>
+      <p:sp>
+        <p:nvSpPr>
+          <p:cNvPr id="6" name="Google Shape;2264;p38">
+            <a:extLst>
+              <a:ext uri="{FF2B5EF4-FFF2-40B4-BE49-F238E27FC236}">
+                <a16:creationId xmlns:a16="http://schemas.microsoft.com/office/drawing/2014/main" id="{48938E11-5E9D-147B-A1D7-E75E9FCB940E}"/>
+              </a:ext>
+            </a:extLst>
+          </p:cNvPr>
+          <p:cNvSpPr/>
+          <p:nvPr/>
+        </p:nvSpPr>
+        <p:spPr>
+          <a:xfrm>
+            <a:off x="1977400" y="2755950"/>
+            <a:ext cx="1671037" cy="393600"/>
+          </a:xfrm>
+          <a:prstGeom prst="homePlate">
+            <a:avLst>
+              <a:gd name="adj" fmla="val 32030"/>
+            </a:avLst>
+          </a:prstGeom>
+          <a:solidFill>
+            <a:schemeClr val="accent1"/>
+          </a:solidFill>
+          <a:ln>
+            <a:noFill/>
+          </a:ln>
+          <a:effectLst>
+            <a:outerShdw blurRad="28575" dist="9525" algn="bl" rotWithShape="0">
+              <a:srgbClr val="000000">
+                <a:alpha val="20000"/>
+              </a:srgbClr>
+            </a:outerShdw>
+          </a:effectLst>
+        </p:spPr>
+        <p:txBody>
+          <a:bodyPr spcFirstLastPara="1" wrap="square" lIns="274300" tIns="0" rIns="0" bIns="0" anchor="ctr" anchorCtr="0">
+            <a:noAutofit/>
+          </a:bodyPr>
+          <a:lstStyle/>
+          <a:p>
+            <a:pPr marL="0" marR="0" lvl="0" indent="0" algn="l" defTabSz="914400" rtl="0" eaLnBrk="1" fontAlgn="auto" latinLnBrk="0" hangingPunct="1">
+              <a:lnSpc>
+                <a:spcPct val="100000"/>
+              </a:lnSpc>
+              <a:spcBef>
+                <a:spcPts val="0"/>
+              </a:spcBef>
+              <a:spcAft>
+                <a:spcPts val="0"/>
+              </a:spcAft>
+              <a:buClr>
+                <a:srgbClr val="000000"/>
+              </a:buClr>
+              <a:buSzTx/>
+              <a:buFont typeface="Arial"/>
+              <a:buNone/>
+              <a:tabLst/>
+              <a:defRPr/>
+            </a:pPr>
+            <a:r>
+              <a:rPr kumimoji="0" lang="en" sz="1000" b="0" i="0" u="none" strike="noStrike" kern="0" cap="none" spc="0" normalizeH="0" baseline="0" noProof="0" dirty="0">
+                <a:ln>
+                  <a:noFill/>
+                </a:ln>
+                <a:solidFill>
+                  <a:srgbClr val="FFFFFF"/>
+                </a:solidFill>
+                <a:effectLst/>
+                <a:uLnTx/>
+                <a:uFillTx/>
+                <a:latin typeface="Barlow"/>
+                <a:ea typeface="Barlow"/>
+                <a:cs typeface="Barlow"/>
+                <a:sym typeface="Barlow"/>
+              </a:rPr>
+              <a:t>STEP 2</a:t>
+            </a:r>
+            <a:endParaRPr kumimoji="0" sz="1000" b="0" i="0" u="none" strike="noStrike" kern="0" cap="none" spc="0" normalizeH="0" baseline="0" noProof="0" dirty="0">
+              <a:ln>
+                <a:noFill/>
+              </a:ln>
+              <a:solidFill>
+                <a:srgbClr val="FFFFFF"/>
+              </a:solidFill>
+              <a:effectLst/>
+              <a:uLnTx/>
+              <a:uFillTx/>
+              <a:latin typeface="Barlow"/>
+              <a:ea typeface="Barlow"/>
+              <a:cs typeface="Barlow"/>
+              <a:sym typeface="Barlow"/>
+            </a:endParaRPr>
+          </a:p>
+        </p:txBody>
+      </p:sp>
+      <p:sp>
+        <p:nvSpPr>
+          <p:cNvPr id="2252" name="Google Shape;2252;p38"/>
+          <p:cNvSpPr txBox="1">
+            <a:spLocks noGrp="1"/>
+          </p:cNvSpPr>
+          <p:nvPr>
+            <p:ph type="sldNum" idx="12"/>
+          </p:nvPr>
+        </p:nvSpPr>
+        <p:spPr>
+          <a:xfrm>
+            <a:off x="8649025" y="4636750"/>
+            <a:ext cx="456900" cy="468600"/>
+          </a:xfrm>
+          <a:prstGeom prst="rect">
+            <a:avLst/>
+          </a:prstGeom>
+        </p:spPr>
+        <p:txBody>
+          <a:bodyPr spcFirstLastPara="1" wrap="square" lIns="0" tIns="0" rIns="0" bIns="0" anchor="b" anchorCtr="0">
+            <a:noAutofit/>
+          </a:bodyPr>
+          <a:lstStyle/>
+          <a:p>
+            <a:pPr marL="0" marR="0" lvl="0" indent="0" algn="r" defTabSz="914400" rtl="0" eaLnBrk="1" fontAlgn="auto" latinLnBrk="0" hangingPunct="1">
+              <a:lnSpc>
+                <a:spcPct val="100000"/>
+              </a:lnSpc>
+              <a:spcBef>
+                <a:spcPts val="0"/>
+              </a:spcBef>
+              <a:spcAft>
+                <a:spcPts val="0"/>
+              </a:spcAft>
+              <a:buClr>
+                <a:srgbClr val="000000"/>
+              </a:buClr>
+              <a:buSzTx/>
+              <a:buFont typeface="Arial"/>
+              <a:buNone/>
+              <a:tabLst/>
+              <a:defRPr/>
+            </a:pPr>
+            <a:fld id="{00000000-1234-1234-1234-123412341234}" type="slidenum">
+              <a:rPr kumimoji="0" lang="en" sz="1200" b="0" i="0" u="none" strike="noStrike" kern="0" cap="none" spc="0" normalizeH="0" baseline="0" noProof="0">
+                <a:ln>
+                  <a:noFill/>
+                </a:ln>
+                <a:solidFill>
+                  <a:srgbClr val="FFFFFF"/>
+                </a:solidFill>
+                <a:effectLst/>
+                <a:uLnTx/>
+                <a:uFillTx/>
+                <a:latin typeface="Barlow Light"/>
+                <a:sym typeface="Barlow Light"/>
+              </a:rPr>
+              <a:pPr marL="0" marR="0" lvl="0" indent="0" algn="r" defTabSz="914400" rtl="0" eaLnBrk="1" fontAlgn="auto" latinLnBrk="0" hangingPunct="1">
+                <a:lnSpc>
+                  <a:spcPct val="100000"/>
+                </a:lnSpc>
+                <a:spcBef>
+                  <a:spcPts val="0"/>
+                </a:spcBef>
+                <a:spcAft>
+                  <a:spcPts val="0"/>
+                </a:spcAft>
+                <a:buClr>
+                  <a:srgbClr val="000000"/>
+                </a:buClr>
+                <a:buSzTx/>
+                <a:buFont typeface="Arial"/>
+                <a:buNone/>
+                <a:tabLst/>
+                <a:defRPr/>
+              </a:pPr>
+              <a:t>11</a:t>
+            </a:fld>
+            <a:endParaRPr kumimoji="0" sz="1200" b="0" i="0" u="none" strike="noStrike" kern="0" cap="none" spc="0" normalizeH="0" baseline="0" noProof="0">
+              <a:ln>
+                <a:noFill/>
+              </a:ln>
+              <a:solidFill>
+                <a:srgbClr val="FFFFFF"/>
+              </a:solidFill>
+              <a:effectLst/>
+              <a:uLnTx/>
+              <a:uFillTx/>
+              <a:latin typeface="Barlow Light"/>
+              <a:sym typeface="Barlow Light"/>
+            </a:endParaRPr>
+          </a:p>
+        </p:txBody>
+      </p:sp>
+      <p:sp>
+        <p:nvSpPr>
+          <p:cNvPr id="2264" name="Google Shape;2264;p38"/>
+          <p:cNvSpPr/>
+          <p:nvPr/>
+        </p:nvSpPr>
+        <p:spPr>
+          <a:xfrm>
+            <a:off x="474282" y="2755950"/>
+            <a:ext cx="1671037" cy="393600"/>
+          </a:xfrm>
+          <a:prstGeom prst="homePlate">
+            <a:avLst>
+              <a:gd name="adj" fmla="val 32030"/>
+            </a:avLst>
+          </a:prstGeom>
+          <a:solidFill>
+            <a:schemeClr val="accent1"/>
+          </a:solidFill>
+          <a:ln>
+            <a:noFill/>
+          </a:ln>
+          <a:effectLst>
+            <a:outerShdw blurRad="28575" dist="9525" algn="bl" rotWithShape="0">
+              <a:srgbClr val="000000">
+                <a:alpha val="20000"/>
+              </a:srgbClr>
+            </a:outerShdw>
+          </a:effectLst>
+        </p:spPr>
+        <p:txBody>
+          <a:bodyPr spcFirstLastPara="1" wrap="square" lIns="274300" tIns="0" rIns="0" bIns="0" anchor="ctr" anchorCtr="0">
+            <a:noAutofit/>
+          </a:bodyPr>
+          <a:lstStyle/>
+          <a:p>
+            <a:pPr marL="0" marR="0" lvl="0" indent="0" algn="l" defTabSz="914400" rtl="0" eaLnBrk="1" fontAlgn="auto" latinLnBrk="0" hangingPunct="1">
+              <a:lnSpc>
+                <a:spcPct val="100000"/>
+              </a:lnSpc>
+              <a:spcBef>
+                <a:spcPts val="0"/>
+              </a:spcBef>
+              <a:spcAft>
+                <a:spcPts val="0"/>
+              </a:spcAft>
+              <a:buClr>
+                <a:srgbClr val="000000"/>
+              </a:buClr>
+              <a:buSzTx/>
+              <a:buFont typeface="Arial"/>
+              <a:buNone/>
+              <a:tabLst/>
+              <a:defRPr/>
+            </a:pPr>
+            <a:r>
+              <a:rPr kumimoji="0" lang="en" sz="1000" b="0" i="0" u="none" strike="noStrike" kern="0" cap="none" spc="0" normalizeH="0" baseline="0" noProof="0" dirty="0">
+                <a:ln>
+                  <a:noFill/>
+                </a:ln>
+                <a:solidFill>
+                  <a:srgbClr val="FFFFFF"/>
+                </a:solidFill>
+                <a:effectLst/>
+                <a:uLnTx/>
+                <a:uFillTx/>
+                <a:latin typeface="Barlow"/>
+                <a:ea typeface="Barlow"/>
+                <a:cs typeface="Barlow"/>
+                <a:sym typeface="Barlow"/>
+              </a:rPr>
+              <a:t>STEP 1</a:t>
+            </a:r>
+            <a:endParaRPr kumimoji="0" sz="1000" b="0" i="0" u="none" strike="noStrike" kern="0" cap="none" spc="0" normalizeH="0" baseline="0" noProof="0" dirty="0">
+              <a:ln>
+                <a:noFill/>
+              </a:ln>
+              <a:solidFill>
+                <a:srgbClr val="FFFFFF"/>
+              </a:solidFill>
+              <a:effectLst/>
+              <a:uLnTx/>
+              <a:uFillTx/>
+              <a:latin typeface="Barlow"/>
+              <a:ea typeface="Barlow"/>
+              <a:cs typeface="Barlow"/>
+              <a:sym typeface="Barlow"/>
+            </a:endParaRPr>
+          </a:p>
+        </p:txBody>
+      </p:sp>
+      <p:sp>
+        <p:nvSpPr>
+          <p:cNvPr id="2265" name="Google Shape;2265;p38"/>
+          <p:cNvSpPr/>
+          <p:nvPr/>
+        </p:nvSpPr>
+        <p:spPr>
+          <a:xfrm>
+            <a:off x="0" y="2755950"/>
+            <a:ext cx="637200" cy="393600"/>
+          </a:xfrm>
+          <a:prstGeom prst="homePlate">
+            <a:avLst>
+              <a:gd name="adj" fmla="val 32030"/>
+            </a:avLst>
+          </a:prstGeom>
+          <a:solidFill>
+            <a:schemeClr val="lt2"/>
+          </a:solidFill>
+          <a:ln>
+            <a:noFill/>
+          </a:ln>
+          <a:effectLst>
+            <a:outerShdw blurRad="28575" dist="9525" algn="bl" rotWithShape="0">
+              <a:srgbClr val="000000">
+                <a:alpha val="20000"/>
+              </a:srgbClr>
+            </a:outerShdw>
+          </a:effectLst>
+        </p:spPr>
+        <p:txBody>
+          <a:bodyPr spcFirstLastPara="1" wrap="square" lIns="91425" tIns="91425" rIns="91425" bIns="91425" anchor="ctr" anchorCtr="0">
+            <a:noAutofit/>
+          </a:bodyPr>
+          <a:lstStyle/>
+          <a:p>
+            <a:pPr marL="0" marR="0" lvl="0" indent="0" algn="ctr" defTabSz="914400" rtl="0" eaLnBrk="1" fontAlgn="auto" latinLnBrk="0" hangingPunct="1">
+              <a:lnSpc>
+                <a:spcPct val="100000"/>
+              </a:lnSpc>
+              <a:spcBef>
+                <a:spcPts val="0"/>
+              </a:spcBef>
+              <a:spcAft>
+                <a:spcPts val="0"/>
+              </a:spcAft>
+              <a:buClr>
+                <a:srgbClr val="000000"/>
+              </a:buClr>
+              <a:buSzTx/>
+              <a:buFont typeface="Arial"/>
+              <a:buNone/>
+              <a:tabLst/>
+              <a:defRPr/>
+            </a:pPr>
+            <a:endParaRPr kumimoji="0" sz="1000" b="0" i="0" u="none" strike="noStrike" kern="0" cap="none" spc="0" normalizeH="0" baseline="0" noProof="0">
+              <a:ln>
+                <a:noFill/>
+              </a:ln>
+              <a:solidFill>
+                <a:srgbClr val="3A3F50"/>
+              </a:solidFill>
+              <a:effectLst/>
+              <a:uLnTx/>
+              <a:uFillTx/>
+              <a:latin typeface="Arial"/>
+              <a:cs typeface="Arial"/>
+              <a:sym typeface="Arial"/>
+            </a:endParaRPr>
+          </a:p>
+        </p:txBody>
+      </p:sp>
+      <p:cxnSp>
+        <p:nvCxnSpPr>
+          <p:cNvPr id="2266" name="Google Shape;2266;p38"/>
+          <p:cNvCxnSpPr>
+            <a:cxnSpLocks/>
+          </p:cNvCxnSpPr>
+          <p:nvPr/>
+        </p:nvCxnSpPr>
+        <p:spPr>
+          <a:xfrm flipV="1">
+            <a:off x="768923" y="2025894"/>
+            <a:ext cx="0" cy="754637"/>
+          </a:xfrm>
+          <a:prstGeom prst="straightConnector1">
+            <a:avLst/>
+          </a:prstGeom>
+          <a:ln>
+            <a:headEnd type="oval" w="med" len="med"/>
+            <a:tailEnd type="oval" w="med" len="med"/>
+          </a:ln>
+        </p:spPr>
+        <p:style>
+          <a:lnRef idx="1">
+            <a:schemeClr val="accent3"/>
+          </a:lnRef>
+          <a:fillRef idx="0">
+            <a:schemeClr val="accent3"/>
+          </a:fillRef>
+          <a:effectRef idx="0">
+            <a:schemeClr val="accent3"/>
+          </a:effectRef>
+          <a:fontRef idx="minor">
+            <a:schemeClr val="tx1"/>
+          </a:fontRef>
+        </p:style>
+      </p:cxnSp>
+      <p:sp>
+        <p:nvSpPr>
+          <p:cNvPr id="2267" name="Google Shape;2267;p38"/>
+          <p:cNvSpPr txBox="1"/>
+          <p:nvPr/>
+        </p:nvSpPr>
+        <p:spPr>
+          <a:xfrm>
+            <a:off x="381692" y="1492494"/>
+            <a:ext cx="2713200" cy="533400"/>
+          </a:xfrm>
+          <a:prstGeom prst="rect">
+            <a:avLst/>
+          </a:prstGeom>
+          <a:noFill/>
+          <a:ln>
+            <a:noFill/>
+          </a:ln>
+        </p:spPr>
+        <p:txBody>
+          <a:bodyPr spcFirstLastPara="1" wrap="square" lIns="0" tIns="0" rIns="0" bIns="0" anchor="b" anchorCtr="0">
+            <a:noAutofit/>
+          </a:bodyPr>
+          <a:lstStyle/>
+          <a:p>
+            <a:pPr marL="0" marR="0" lvl="0" indent="0" algn="l" defTabSz="914400" rtl="0" eaLnBrk="1" fontAlgn="auto" latinLnBrk="0" hangingPunct="1">
+              <a:lnSpc>
+                <a:spcPct val="100000"/>
+              </a:lnSpc>
+              <a:spcBef>
+                <a:spcPts val="0"/>
+              </a:spcBef>
+              <a:spcAft>
+                <a:spcPts val="0"/>
+              </a:spcAft>
+              <a:buClr>
+                <a:srgbClr val="000000"/>
+              </a:buClr>
+              <a:buSzTx/>
+              <a:buFont typeface="Arial"/>
+              <a:buNone/>
+              <a:tabLst/>
+              <a:defRPr/>
+            </a:pPr>
+            <a:r>
+              <a:rPr kumimoji="0" lang="en-US" sz="1600" b="0" i="0" u="none" strike="noStrike" kern="0" cap="none" spc="0" normalizeH="0" baseline="0" noProof="0" dirty="0">
+                <a:ln>
+                  <a:noFill/>
+                </a:ln>
+                <a:solidFill>
+                  <a:srgbClr val="757B89"/>
+                </a:solidFill>
+                <a:effectLst/>
+                <a:uLnTx/>
+                <a:uFillTx/>
+                <a:latin typeface="Arial" panose="020B0604020202020204" pitchFamily="34" charset="0"/>
+                <a:ea typeface="Barlow"/>
+                <a:cs typeface="Arial" panose="020B0604020202020204" pitchFamily="34" charset="0"/>
+                <a:sym typeface="Barlow"/>
+              </a:rPr>
+              <a:t>Bulk Copy</a:t>
+            </a:r>
+            <a:endParaRPr kumimoji="0" sz="1600" b="0" i="0" u="none" strike="noStrike" kern="0" cap="none" spc="0" normalizeH="0" baseline="0" noProof="0" dirty="0">
+              <a:ln>
+                <a:noFill/>
+              </a:ln>
+              <a:solidFill>
+                <a:srgbClr val="757B89"/>
+              </a:solidFill>
+              <a:effectLst/>
+              <a:uLnTx/>
+              <a:uFillTx/>
+              <a:latin typeface="Arial" panose="020B0604020202020204" pitchFamily="34" charset="0"/>
+              <a:ea typeface="Barlow"/>
+              <a:cs typeface="Arial" panose="020B0604020202020204" pitchFamily="34" charset="0"/>
+              <a:sym typeface="Barlow"/>
+            </a:endParaRPr>
+          </a:p>
+        </p:txBody>
+      </p:sp>
+      <p:cxnSp>
+        <p:nvCxnSpPr>
+          <p:cNvPr id="2278" name="Google Shape;2278;p38"/>
+          <p:cNvCxnSpPr/>
+          <p:nvPr/>
+        </p:nvCxnSpPr>
+        <p:spPr>
+          <a:xfrm rot="10800000">
+            <a:off x="4535762" y="3149550"/>
+            <a:ext cx="0" cy="498600"/>
+          </a:xfrm>
+          <a:prstGeom prst="straightConnector1">
+            <a:avLst/>
+          </a:prstGeom>
+          <a:noFill/>
+          <a:ln w="9525" cap="flat" cmpd="sng">
+            <a:solidFill>
+              <a:schemeClr val="lt2"/>
+            </a:solidFill>
+            <a:prstDash val="solid"/>
+            <a:round/>
+            <a:headEnd type="oval" w="med" len="med"/>
+            <a:tailEnd type="oval" w="med" len="med"/>
+          </a:ln>
+        </p:spPr>
+      </p:cxnSp>
+      <p:sp>
+        <p:nvSpPr>
+          <p:cNvPr id="4" name="Google Shape;594;p17">
+            <a:extLst>
+              <a:ext uri="{FF2B5EF4-FFF2-40B4-BE49-F238E27FC236}">
+                <a16:creationId xmlns:a16="http://schemas.microsoft.com/office/drawing/2014/main" id="{79954209-C256-762F-7ABF-B4FA1B2E6427}"/>
+              </a:ext>
+            </a:extLst>
+          </p:cNvPr>
+          <p:cNvSpPr txBox="1">
+            <a:spLocks noGrp="1"/>
+          </p:cNvSpPr>
+          <p:nvPr>
+            <p:ph type="title"/>
+          </p:nvPr>
+        </p:nvSpPr>
+        <p:spPr>
+          <a:xfrm>
+            <a:off x="129747" y="73662"/>
+            <a:ext cx="8812030" cy="163730"/>
+          </a:xfrm>
+          <a:prstGeom prst="rect">
+            <a:avLst/>
+          </a:prstGeom>
+        </p:spPr>
+        <p:txBody>
+          <a:bodyPr spcFirstLastPara="1" wrap="square" lIns="0" tIns="0" rIns="0" bIns="0" anchor="t" anchorCtr="0">
+            <a:noAutofit/>
+          </a:bodyPr>
+          <a:lstStyle/>
+          <a:p>
+            <a:pPr marL="0" lvl="0" indent="0" algn="l" rtl="0">
+              <a:spcBef>
+                <a:spcPts val="0"/>
+              </a:spcBef>
+              <a:spcAft>
+                <a:spcPts val="0"/>
+              </a:spcAft>
+              <a:buNone/>
+            </a:pPr>
+            <a:r>
+              <a:rPr lang="en-US" sz="1000" dirty="0">
+                <a:latin typeface="Arial" panose="020B0604020202020204" pitchFamily="34" charset="0"/>
+                <a:ea typeface="Roboto Medium" panose="02000000000000000000" pitchFamily="2" charset="0"/>
+                <a:cs typeface="Arial" panose="020B0604020202020204" pitchFamily="34" charset="0"/>
+              </a:rPr>
+              <a:t>SQL</a:t>
+            </a:r>
+            <a:r>
+              <a:rPr lang="ko-KR" altLang="en-US" sz="1000" dirty="0">
+                <a:latin typeface="Arial" panose="020B0604020202020204" pitchFamily="34" charset="0"/>
+                <a:ea typeface="Roboto Medium" panose="02000000000000000000" pitchFamily="2" charset="0"/>
+                <a:cs typeface="Arial" panose="020B0604020202020204" pitchFamily="34" charset="0"/>
+              </a:rPr>
+              <a:t> 개발 </a:t>
+            </a:r>
+            <a:r>
+              <a:rPr lang="en-US" altLang="ko-KR" sz="1000" dirty="0">
+                <a:latin typeface="Arial" panose="020B0604020202020204" pitchFamily="34" charset="0"/>
+                <a:ea typeface="Roboto Medium" panose="02000000000000000000" pitchFamily="2" charset="0"/>
+                <a:cs typeface="Arial" panose="020B0604020202020204" pitchFamily="34" charset="0"/>
+              </a:rPr>
+              <a:t>- </a:t>
+            </a:r>
+            <a:r>
+              <a:rPr lang="ko-KR" altLang="en-US" sz="1000" dirty="0">
+                <a:latin typeface="Arial" panose="020B0604020202020204" pitchFamily="34" charset="0"/>
+                <a:ea typeface="Roboto Medium" panose="02000000000000000000" pitchFamily="2" charset="0"/>
+                <a:cs typeface="Arial" panose="020B0604020202020204" pitchFamily="34" charset="0"/>
+              </a:rPr>
+              <a:t>개발 과정 </a:t>
+            </a:r>
+            <a:r>
+              <a:rPr lang="en-US" altLang="ko-KR" sz="1000" dirty="0">
+                <a:latin typeface="Arial" panose="020B0604020202020204" pitchFamily="34" charset="0"/>
+                <a:ea typeface="Roboto Medium" panose="02000000000000000000" pitchFamily="2" charset="0"/>
+                <a:cs typeface="Arial" panose="020B0604020202020204" pitchFamily="34" charset="0"/>
+              </a:rPr>
+              <a:t>2</a:t>
+            </a:r>
+            <a:endParaRPr sz="1000" dirty="0">
+              <a:latin typeface="Arial" panose="020B0604020202020204" pitchFamily="34" charset="0"/>
+              <a:ea typeface="Roboto Medium" panose="02000000000000000000" pitchFamily="2" charset="0"/>
+              <a:cs typeface="Arial" panose="020B0604020202020204" pitchFamily="34" charset="0"/>
+            </a:endParaRPr>
+          </a:p>
+        </p:txBody>
+      </p:sp>
+      <p:sp>
+        <p:nvSpPr>
+          <p:cNvPr id="5" name="Google Shape;594;p17">
+            <a:extLst>
+              <a:ext uri="{FF2B5EF4-FFF2-40B4-BE49-F238E27FC236}">
+                <a16:creationId xmlns:a16="http://schemas.microsoft.com/office/drawing/2014/main" id="{CB64B829-B1ED-BF49-5038-A03487AA806E}"/>
+              </a:ext>
+            </a:extLst>
+          </p:cNvPr>
+          <p:cNvSpPr txBox="1">
+            <a:spLocks/>
+          </p:cNvSpPr>
+          <p:nvPr/>
+        </p:nvSpPr>
+        <p:spPr>
+          <a:xfrm>
+            <a:off x="381692" y="715776"/>
+            <a:ext cx="8431823" cy="343969"/>
+          </a:xfrm>
+          <a:prstGeom prst="rect">
+            <a:avLst/>
+          </a:prstGeom>
+          <a:noFill/>
+          <a:ln>
+            <a:noFill/>
+          </a:ln>
+        </p:spPr>
+        <p:txBody>
+          <a:bodyPr spcFirstLastPara="1" wrap="square" lIns="0" tIns="0" rIns="0" bIns="0" anchor="t" anchorCtr="0">
+            <a:noAutofit/>
+          </a:bodyPr>
+          <a:lstStyle>
+            <a:defPPr marR="0" lvl="0" algn="l" rtl="0">
+              <a:lnSpc>
+                <a:spcPct val="100000"/>
+              </a:lnSpc>
+              <a:spcBef>
+                <a:spcPts val="0"/>
+              </a:spcBef>
+              <a:spcAft>
+                <a:spcPts val="0"/>
+              </a:spcAft>
+            </a:defPPr>
+            <a:lvl1pPr marR="0" lvl="0" algn="l" rtl="0">
+              <a:lnSpc>
+                <a:spcPct val="80000"/>
+              </a:lnSpc>
+              <a:spcBef>
+                <a:spcPts val="0"/>
+              </a:spcBef>
+              <a:spcAft>
+                <a:spcPts val="0"/>
+              </a:spcAft>
+              <a:buClr>
+                <a:schemeClr val="accent2"/>
+              </a:buClr>
+              <a:buSzPts val="4800"/>
+              <a:buFont typeface="Raleway Thin"/>
+              <a:buNone/>
+              <a:defRPr sz="4800" b="0" i="0" u="none" strike="noStrike" cap="none">
+                <a:solidFill>
+                  <a:schemeClr val="accent2"/>
+                </a:solidFill>
+                <a:latin typeface="Raleway Thin"/>
+                <a:ea typeface="Raleway Thin"/>
+                <a:cs typeface="Raleway Thin"/>
+                <a:sym typeface="Raleway Thin"/>
+              </a:defRPr>
+            </a:lvl1pPr>
+            <a:lvl2pPr marR="0" lvl="1" algn="l" rtl="0">
+              <a:lnSpc>
+                <a:spcPct val="80000"/>
+              </a:lnSpc>
+              <a:spcBef>
+                <a:spcPts val="0"/>
+              </a:spcBef>
+              <a:spcAft>
+                <a:spcPts val="0"/>
+              </a:spcAft>
+              <a:buClr>
+                <a:schemeClr val="accent2"/>
+              </a:buClr>
+              <a:buSzPts val="4800"/>
+              <a:buFont typeface="Raleway Thin"/>
+              <a:buNone/>
+              <a:defRPr sz="4800" b="0" i="0" u="none" strike="noStrike" cap="none">
+                <a:solidFill>
+                  <a:schemeClr val="accent2"/>
+                </a:solidFill>
+                <a:latin typeface="Raleway Thin"/>
+                <a:ea typeface="Raleway Thin"/>
+                <a:cs typeface="Raleway Thin"/>
+                <a:sym typeface="Raleway Thin"/>
+              </a:defRPr>
+            </a:lvl2pPr>
+            <a:lvl3pPr marR="0" lvl="2" algn="l" rtl="0">
+              <a:lnSpc>
+                <a:spcPct val="80000"/>
+              </a:lnSpc>
+              <a:spcBef>
+                <a:spcPts val="0"/>
+              </a:spcBef>
+              <a:spcAft>
+                <a:spcPts val="0"/>
+              </a:spcAft>
+              <a:buClr>
+                <a:schemeClr val="accent2"/>
+              </a:buClr>
+              <a:buSzPts val="4800"/>
+              <a:buFont typeface="Raleway Thin"/>
+              <a:buNone/>
+              <a:defRPr sz="4800" b="0" i="0" u="none" strike="noStrike" cap="none">
+                <a:solidFill>
+                  <a:schemeClr val="accent2"/>
+                </a:solidFill>
+                <a:latin typeface="Raleway Thin"/>
+                <a:ea typeface="Raleway Thin"/>
+                <a:cs typeface="Raleway Thin"/>
+                <a:sym typeface="Raleway Thin"/>
+              </a:defRPr>
+            </a:lvl3pPr>
+            <a:lvl4pPr marR="0" lvl="3" algn="l" rtl="0">
+              <a:lnSpc>
+                <a:spcPct val="80000"/>
+              </a:lnSpc>
+              <a:spcBef>
+                <a:spcPts val="0"/>
+              </a:spcBef>
+              <a:spcAft>
+                <a:spcPts val="0"/>
+              </a:spcAft>
+              <a:buClr>
+                <a:schemeClr val="accent2"/>
+              </a:buClr>
+              <a:buSzPts val="4800"/>
+              <a:buFont typeface="Raleway Thin"/>
+              <a:buNone/>
+              <a:defRPr sz="4800" b="0" i="0" u="none" strike="noStrike" cap="none">
+                <a:solidFill>
+                  <a:schemeClr val="accent2"/>
+                </a:solidFill>
+                <a:latin typeface="Raleway Thin"/>
+                <a:ea typeface="Raleway Thin"/>
+                <a:cs typeface="Raleway Thin"/>
+                <a:sym typeface="Raleway Thin"/>
+              </a:defRPr>
+            </a:lvl4pPr>
+            <a:lvl5pPr marR="0" lvl="4" algn="l" rtl="0">
+              <a:lnSpc>
+                <a:spcPct val="80000"/>
+              </a:lnSpc>
+              <a:spcBef>
+                <a:spcPts val="0"/>
+              </a:spcBef>
+              <a:spcAft>
+                <a:spcPts val="0"/>
+              </a:spcAft>
+              <a:buClr>
+                <a:schemeClr val="accent2"/>
+              </a:buClr>
+              <a:buSzPts val="4800"/>
+              <a:buFont typeface="Raleway Thin"/>
+              <a:buNone/>
+              <a:defRPr sz="4800" b="0" i="0" u="none" strike="noStrike" cap="none">
+                <a:solidFill>
+                  <a:schemeClr val="accent2"/>
+                </a:solidFill>
+                <a:latin typeface="Raleway Thin"/>
+                <a:ea typeface="Raleway Thin"/>
+                <a:cs typeface="Raleway Thin"/>
+                <a:sym typeface="Raleway Thin"/>
+              </a:defRPr>
+            </a:lvl5pPr>
+            <a:lvl6pPr marR="0" lvl="5" algn="l" rtl="0">
+              <a:lnSpc>
+                <a:spcPct val="80000"/>
+              </a:lnSpc>
+              <a:spcBef>
+                <a:spcPts val="0"/>
+              </a:spcBef>
+              <a:spcAft>
+                <a:spcPts val="0"/>
+              </a:spcAft>
+              <a:buClr>
+                <a:schemeClr val="accent2"/>
+              </a:buClr>
+              <a:buSzPts val="4800"/>
+              <a:buFont typeface="Raleway Thin"/>
+              <a:buNone/>
+              <a:defRPr sz="4800" b="0" i="0" u="none" strike="noStrike" cap="none">
+                <a:solidFill>
+                  <a:schemeClr val="accent2"/>
+                </a:solidFill>
+                <a:latin typeface="Raleway Thin"/>
+                <a:ea typeface="Raleway Thin"/>
+                <a:cs typeface="Raleway Thin"/>
+                <a:sym typeface="Raleway Thin"/>
+              </a:defRPr>
+            </a:lvl6pPr>
+            <a:lvl7pPr marR="0" lvl="6" algn="l" rtl="0">
+              <a:lnSpc>
+                <a:spcPct val="80000"/>
+              </a:lnSpc>
+              <a:spcBef>
+                <a:spcPts val="0"/>
+              </a:spcBef>
+              <a:spcAft>
+                <a:spcPts val="0"/>
+              </a:spcAft>
+              <a:buClr>
+                <a:schemeClr val="accent2"/>
+              </a:buClr>
+              <a:buSzPts val="4800"/>
+              <a:buFont typeface="Raleway Thin"/>
+              <a:buNone/>
+              <a:defRPr sz="4800" b="0" i="0" u="none" strike="noStrike" cap="none">
+                <a:solidFill>
+                  <a:schemeClr val="accent2"/>
+                </a:solidFill>
+                <a:latin typeface="Raleway Thin"/>
+                <a:ea typeface="Raleway Thin"/>
+                <a:cs typeface="Raleway Thin"/>
+                <a:sym typeface="Raleway Thin"/>
+              </a:defRPr>
+            </a:lvl7pPr>
+            <a:lvl8pPr marR="0" lvl="7" algn="l" rtl="0">
+              <a:lnSpc>
+                <a:spcPct val="80000"/>
+              </a:lnSpc>
+              <a:spcBef>
+                <a:spcPts val="0"/>
+              </a:spcBef>
+              <a:spcAft>
+                <a:spcPts val="0"/>
+              </a:spcAft>
+              <a:buClr>
+                <a:schemeClr val="accent2"/>
+              </a:buClr>
+              <a:buSzPts val="4800"/>
+              <a:buFont typeface="Raleway Thin"/>
+              <a:buNone/>
+              <a:defRPr sz="4800" b="0" i="0" u="none" strike="noStrike" cap="none">
+                <a:solidFill>
+                  <a:schemeClr val="accent2"/>
+                </a:solidFill>
+                <a:latin typeface="Raleway Thin"/>
+                <a:ea typeface="Raleway Thin"/>
+                <a:cs typeface="Raleway Thin"/>
+                <a:sym typeface="Raleway Thin"/>
+              </a:defRPr>
+            </a:lvl8pPr>
+            <a:lvl9pPr marR="0" lvl="8" algn="l" rtl="0">
+              <a:lnSpc>
+                <a:spcPct val="80000"/>
+              </a:lnSpc>
+              <a:spcBef>
+                <a:spcPts val="0"/>
+              </a:spcBef>
+              <a:spcAft>
+                <a:spcPts val="0"/>
+              </a:spcAft>
+              <a:buClr>
+                <a:schemeClr val="accent2"/>
+              </a:buClr>
+              <a:buSzPts val="4800"/>
+              <a:buFont typeface="Raleway Thin"/>
+              <a:buNone/>
+              <a:defRPr sz="4800" b="0" i="0" u="none" strike="noStrike" cap="none">
+                <a:solidFill>
+                  <a:schemeClr val="accent2"/>
+                </a:solidFill>
+                <a:latin typeface="Raleway Thin"/>
+                <a:ea typeface="Raleway Thin"/>
+                <a:cs typeface="Raleway Thin"/>
+                <a:sym typeface="Raleway Thin"/>
+              </a:defRPr>
+            </a:lvl9pPr>
+          </a:lstStyle>
+          <a:p>
+            <a:pPr marL="0" marR="0" lvl="0" indent="0" algn="l" defTabSz="914400" rtl="0" eaLnBrk="1" fontAlgn="auto" latinLnBrk="0" hangingPunct="1">
+              <a:lnSpc>
+                <a:spcPct val="80000"/>
+              </a:lnSpc>
+              <a:spcBef>
+                <a:spcPts val="0"/>
+              </a:spcBef>
+              <a:spcAft>
+                <a:spcPts val="0"/>
+              </a:spcAft>
+              <a:buClr>
+                <a:srgbClr val="007BB9"/>
+              </a:buClr>
+              <a:buSzPts val="4800"/>
+              <a:buFont typeface="Raleway Thin"/>
+              <a:buNone/>
+              <a:tabLst/>
+              <a:defRPr/>
+            </a:pPr>
+            <a:r>
+              <a:rPr kumimoji="0" lang="ko-KR" altLang="en-US" sz="2400" b="0" i="0" u="none" strike="noStrike" kern="0" cap="none" spc="0" normalizeH="0" baseline="0" noProof="0" dirty="0">
+                <a:ln>
+                  <a:noFill/>
+                </a:ln>
+                <a:solidFill>
+                  <a:srgbClr val="007BB9"/>
+                </a:solidFill>
+                <a:effectLst/>
+                <a:uLnTx/>
+                <a:uFillTx/>
+                <a:latin typeface="Arial" panose="020B0604020202020204" pitchFamily="34" charset="0"/>
+                <a:ea typeface="Roboto Medium" panose="02000000000000000000" pitchFamily="2" charset="0"/>
+                <a:cs typeface="Arial" panose="020B0604020202020204" pitchFamily="34" charset="0"/>
+                <a:sym typeface="Raleway Thin"/>
+              </a:rPr>
+              <a:t>과정 목차</a:t>
+            </a:r>
+          </a:p>
+        </p:txBody>
+      </p:sp>
+      <p:sp>
+        <p:nvSpPr>
+          <p:cNvPr id="12" name="Google Shape;2267;p38">
+            <a:extLst>
+              <a:ext uri="{FF2B5EF4-FFF2-40B4-BE49-F238E27FC236}">
+                <a16:creationId xmlns:a16="http://schemas.microsoft.com/office/drawing/2014/main" id="{3FBC2845-5544-6208-06FB-D891201362C8}"/>
+              </a:ext>
+            </a:extLst>
+          </p:cNvPr>
+          <p:cNvSpPr txBox="1"/>
+          <p:nvPr/>
+        </p:nvSpPr>
+        <p:spPr>
+          <a:xfrm>
+            <a:off x="637200" y="3879606"/>
+            <a:ext cx="2739046" cy="533400"/>
+          </a:xfrm>
+          <a:prstGeom prst="rect">
+            <a:avLst/>
+          </a:prstGeom>
+          <a:noFill/>
+          <a:ln>
+            <a:noFill/>
+          </a:ln>
+        </p:spPr>
+        <p:txBody>
+          <a:bodyPr spcFirstLastPara="1" wrap="square" lIns="0" tIns="0" rIns="0" bIns="0" anchor="b" anchorCtr="0">
+            <a:noAutofit/>
+          </a:bodyPr>
+          <a:lstStyle/>
+          <a:p>
+            <a:pPr marL="0" marR="0" lvl="0" indent="0" algn="l" defTabSz="914400" rtl="0" eaLnBrk="1" fontAlgn="auto" latinLnBrk="0" hangingPunct="1">
+              <a:lnSpc>
+                <a:spcPct val="100000"/>
+              </a:lnSpc>
+              <a:spcBef>
+                <a:spcPts val="0"/>
+              </a:spcBef>
+              <a:spcAft>
+                <a:spcPts val="0"/>
+              </a:spcAft>
+              <a:buClr>
+                <a:srgbClr val="000000"/>
+              </a:buClr>
+              <a:buSzTx/>
+              <a:buFont typeface="Arial"/>
+              <a:buNone/>
+              <a:tabLst/>
+              <a:defRPr/>
+            </a:pPr>
+            <a:r>
+              <a:rPr kumimoji="0" lang="en-US" sz="1600" b="0" i="0" u="none" strike="noStrike" kern="0" cap="none" spc="0" normalizeH="0" baseline="0" noProof="0" dirty="0">
+                <a:ln>
+                  <a:noFill/>
+                </a:ln>
+                <a:solidFill>
+                  <a:srgbClr val="757B89"/>
+                </a:solidFill>
+                <a:effectLst/>
+                <a:uLnTx/>
+                <a:uFillTx/>
+                <a:latin typeface="Arial" panose="020B0604020202020204" pitchFamily="34" charset="0"/>
+                <a:ea typeface="Barlow"/>
+                <a:cs typeface="Arial" panose="020B0604020202020204" pitchFamily="34" charset="0"/>
+                <a:sym typeface="Barlow"/>
+              </a:rPr>
+              <a:t>XML </a:t>
+            </a:r>
+            <a:r>
+              <a:rPr kumimoji="0" lang="ko-KR" altLang="en-US" sz="1600" b="0" i="0" u="none" strike="noStrike" kern="0" cap="none" spc="0" normalizeH="0" baseline="0" noProof="0" dirty="0">
+                <a:ln>
+                  <a:noFill/>
+                </a:ln>
+                <a:solidFill>
+                  <a:srgbClr val="757B89"/>
+                </a:solidFill>
+                <a:effectLst/>
+                <a:uLnTx/>
+                <a:uFillTx/>
+                <a:latin typeface="Arial" panose="020B0604020202020204" pitchFamily="34" charset="0"/>
+                <a:ea typeface="Barlow"/>
+                <a:cs typeface="Arial" panose="020B0604020202020204" pitchFamily="34" charset="0"/>
+                <a:sym typeface="Barlow"/>
+              </a:rPr>
+              <a:t>과 </a:t>
+            </a:r>
+            <a:r>
+              <a:rPr kumimoji="0" lang="en-US" altLang="ko-KR" sz="1600" b="0" i="0" u="none" strike="noStrike" kern="0" cap="none" spc="0" normalizeH="0" baseline="0" noProof="0" dirty="0">
+                <a:ln>
+                  <a:noFill/>
+                </a:ln>
+                <a:solidFill>
+                  <a:srgbClr val="757B89"/>
+                </a:solidFill>
+                <a:effectLst/>
+                <a:uLnTx/>
+                <a:uFillTx/>
+                <a:latin typeface="Arial" panose="020B0604020202020204" pitchFamily="34" charset="0"/>
+                <a:ea typeface="Barlow"/>
+                <a:cs typeface="Arial" panose="020B0604020202020204" pitchFamily="34" charset="0"/>
+                <a:sym typeface="Barlow"/>
+              </a:rPr>
+              <a:t>SQL </a:t>
+            </a:r>
+            <a:r>
+              <a:rPr kumimoji="0" lang="ko-KR" altLang="en-US" sz="1600" b="0" i="0" u="none" strike="noStrike" kern="0" cap="none" spc="0" normalizeH="0" baseline="0" noProof="0" dirty="0">
+                <a:ln>
+                  <a:noFill/>
+                </a:ln>
+                <a:solidFill>
+                  <a:srgbClr val="757B89"/>
+                </a:solidFill>
+                <a:effectLst/>
+                <a:uLnTx/>
+                <a:uFillTx/>
+                <a:latin typeface="Arial" panose="020B0604020202020204" pitchFamily="34" charset="0"/>
+                <a:ea typeface="Barlow"/>
+                <a:cs typeface="Arial" panose="020B0604020202020204" pitchFamily="34" charset="0"/>
+                <a:sym typeface="Barlow"/>
+              </a:rPr>
+              <a:t>연동</a:t>
+            </a:r>
+            <a:endParaRPr kumimoji="0" sz="1600" b="0" i="0" u="none" strike="noStrike" kern="0" cap="none" spc="0" normalizeH="0" baseline="0" noProof="0" dirty="0">
+              <a:ln>
+                <a:noFill/>
+              </a:ln>
+              <a:solidFill>
+                <a:srgbClr val="757B89"/>
+              </a:solidFill>
+              <a:effectLst/>
+              <a:uLnTx/>
+              <a:uFillTx/>
+              <a:latin typeface="Arial" panose="020B0604020202020204" pitchFamily="34" charset="0"/>
+              <a:ea typeface="Barlow"/>
+              <a:cs typeface="Arial" panose="020B0604020202020204" pitchFamily="34" charset="0"/>
+              <a:sym typeface="Barlow"/>
+            </a:endParaRPr>
+          </a:p>
+        </p:txBody>
+      </p:sp>
+      <p:cxnSp>
+        <p:nvCxnSpPr>
+          <p:cNvPr id="13" name="Google Shape;2266;p38">
+            <a:extLst>
+              <a:ext uri="{FF2B5EF4-FFF2-40B4-BE49-F238E27FC236}">
+                <a16:creationId xmlns:a16="http://schemas.microsoft.com/office/drawing/2014/main" id="{993AF4E1-7835-F540-613B-2A22E4DA239B}"/>
+              </a:ext>
+            </a:extLst>
+          </p:cNvPr>
+          <p:cNvCxnSpPr>
+            <a:cxnSpLocks/>
+          </p:cNvCxnSpPr>
+          <p:nvPr/>
+        </p:nvCxnSpPr>
+        <p:spPr>
+          <a:xfrm flipV="1">
+            <a:off x="2580139" y="3149550"/>
+            <a:ext cx="0" cy="754637"/>
+          </a:xfrm>
+          <a:prstGeom prst="straightConnector1">
+            <a:avLst/>
+          </a:prstGeom>
+          <a:ln>
+            <a:headEnd type="oval" w="med" len="med"/>
+            <a:tailEnd type="oval" w="med" len="med"/>
+          </a:ln>
+        </p:spPr>
+        <p:style>
+          <a:lnRef idx="1">
+            <a:schemeClr val="accent3"/>
+          </a:lnRef>
+          <a:fillRef idx="0">
+            <a:schemeClr val="accent3"/>
+          </a:fillRef>
+          <a:effectRef idx="0">
+            <a:schemeClr val="accent3"/>
+          </a:effectRef>
+          <a:fontRef idx="minor">
+            <a:schemeClr val="tx1"/>
+          </a:fontRef>
+        </p:style>
+      </p:cxnSp>
+      <p:cxnSp>
+        <p:nvCxnSpPr>
+          <p:cNvPr id="14" name="Google Shape;2266;p38">
+            <a:extLst>
+              <a:ext uri="{FF2B5EF4-FFF2-40B4-BE49-F238E27FC236}">
+                <a16:creationId xmlns:a16="http://schemas.microsoft.com/office/drawing/2014/main" id="{B4D554BD-BBA9-E05F-DA81-B3F53C7987D9}"/>
+              </a:ext>
+            </a:extLst>
+          </p:cNvPr>
+          <p:cNvCxnSpPr>
+            <a:cxnSpLocks/>
+          </p:cNvCxnSpPr>
+          <p:nvPr/>
+        </p:nvCxnSpPr>
+        <p:spPr>
+          <a:xfrm flipV="1">
+            <a:off x="4452901" y="2025894"/>
+            <a:ext cx="0" cy="754637"/>
+          </a:xfrm>
+          <a:prstGeom prst="straightConnector1">
+            <a:avLst/>
+          </a:prstGeom>
+          <a:ln>
+            <a:headEnd type="oval" w="med" len="med"/>
+            <a:tailEnd type="oval" w="med" len="med"/>
+          </a:ln>
+        </p:spPr>
+        <p:style>
+          <a:lnRef idx="1">
+            <a:schemeClr val="accent3"/>
+          </a:lnRef>
+          <a:fillRef idx="0">
+            <a:schemeClr val="accent3"/>
+          </a:fillRef>
+          <a:effectRef idx="0">
+            <a:schemeClr val="accent3"/>
+          </a:effectRef>
+          <a:fontRef idx="minor">
+            <a:schemeClr val="tx1"/>
+          </a:fontRef>
+        </p:style>
+      </p:cxnSp>
+      <p:sp>
+        <p:nvSpPr>
+          <p:cNvPr id="15" name="Google Shape;2267;p38">
+            <a:extLst>
+              <a:ext uri="{FF2B5EF4-FFF2-40B4-BE49-F238E27FC236}">
+                <a16:creationId xmlns:a16="http://schemas.microsoft.com/office/drawing/2014/main" id="{89ADDA8A-6406-CBD2-C0DA-B6DCC5DE77A6}"/>
+              </a:ext>
+            </a:extLst>
+          </p:cNvPr>
+          <p:cNvSpPr txBox="1"/>
+          <p:nvPr/>
+        </p:nvSpPr>
+        <p:spPr>
+          <a:xfrm>
+            <a:off x="3215400" y="1483266"/>
+            <a:ext cx="2713200" cy="533400"/>
+          </a:xfrm>
+          <a:prstGeom prst="rect">
+            <a:avLst/>
+          </a:prstGeom>
+          <a:noFill/>
+          <a:ln>
+            <a:noFill/>
+          </a:ln>
+        </p:spPr>
+        <p:txBody>
+          <a:bodyPr spcFirstLastPara="1" wrap="square" lIns="0" tIns="0" rIns="0" bIns="0" anchor="b" anchorCtr="0">
+            <a:noAutofit/>
+          </a:bodyPr>
+          <a:lstStyle/>
+          <a:p>
+            <a:pPr marL="0" marR="0" lvl="0" indent="0" algn="l" defTabSz="914400" rtl="0" eaLnBrk="1" fontAlgn="auto" latinLnBrk="0" hangingPunct="1">
+              <a:lnSpc>
+                <a:spcPct val="100000"/>
+              </a:lnSpc>
+              <a:spcBef>
+                <a:spcPts val="0"/>
+              </a:spcBef>
+              <a:spcAft>
+                <a:spcPts val="0"/>
+              </a:spcAft>
+              <a:buClr>
+                <a:srgbClr val="000000"/>
+              </a:buClr>
+              <a:buSzTx/>
+              <a:buFont typeface="Arial"/>
+              <a:buNone/>
+              <a:tabLst/>
+              <a:defRPr/>
+            </a:pPr>
+            <a:r>
+              <a:rPr lang="en-US" sz="1600" dirty="0">
+                <a:solidFill>
+                  <a:srgbClr val="757B89"/>
+                </a:solidFill>
+                <a:latin typeface="Arial" panose="020B0604020202020204" pitchFamily="34" charset="0"/>
+                <a:ea typeface="Barlow"/>
+                <a:cs typeface="Arial" panose="020B0604020202020204" pitchFamily="34" charset="0"/>
+                <a:sym typeface="Barlow"/>
+              </a:rPr>
+              <a:t>JSON</a:t>
+            </a:r>
+            <a:r>
+              <a:rPr lang="ko-KR" altLang="en-US" sz="1600" dirty="0">
+                <a:solidFill>
+                  <a:srgbClr val="757B89"/>
+                </a:solidFill>
+                <a:latin typeface="Arial" panose="020B0604020202020204" pitchFamily="34" charset="0"/>
+                <a:ea typeface="Barlow"/>
+                <a:cs typeface="Arial" panose="020B0604020202020204" pitchFamily="34" charset="0"/>
+                <a:sym typeface="Barlow"/>
+              </a:rPr>
+              <a:t> 과 </a:t>
+            </a:r>
+            <a:r>
+              <a:rPr lang="en-US" altLang="ko-KR" sz="1600" dirty="0">
+                <a:solidFill>
+                  <a:srgbClr val="757B89"/>
+                </a:solidFill>
+                <a:latin typeface="Arial" panose="020B0604020202020204" pitchFamily="34" charset="0"/>
+                <a:ea typeface="Barlow"/>
+                <a:cs typeface="Arial" panose="020B0604020202020204" pitchFamily="34" charset="0"/>
+                <a:sym typeface="Barlow"/>
+              </a:rPr>
+              <a:t>SQL </a:t>
+            </a:r>
+            <a:r>
+              <a:rPr lang="ko-KR" altLang="en-US" sz="1600" dirty="0">
+                <a:solidFill>
+                  <a:srgbClr val="757B89"/>
+                </a:solidFill>
+                <a:latin typeface="Arial" panose="020B0604020202020204" pitchFamily="34" charset="0"/>
+                <a:ea typeface="Barlow"/>
+                <a:cs typeface="Arial" panose="020B0604020202020204" pitchFamily="34" charset="0"/>
+                <a:sym typeface="Barlow"/>
+              </a:rPr>
+              <a:t>연동</a:t>
+            </a:r>
+            <a:endParaRPr kumimoji="0" sz="1600" b="0" i="0" u="none" strike="noStrike" kern="0" cap="none" spc="0" normalizeH="0" baseline="0" noProof="0" dirty="0">
+              <a:ln>
+                <a:noFill/>
+              </a:ln>
+              <a:solidFill>
+                <a:srgbClr val="757B89"/>
+              </a:solidFill>
+              <a:effectLst/>
+              <a:uLnTx/>
+              <a:uFillTx/>
+              <a:latin typeface="Arial" panose="020B0604020202020204" pitchFamily="34" charset="0"/>
+              <a:ea typeface="Barlow"/>
+              <a:cs typeface="Arial" panose="020B0604020202020204" pitchFamily="34" charset="0"/>
+              <a:sym typeface="Barlow"/>
+            </a:endParaRPr>
+          </a:p>
+        </p:txBody>
+      </p:sp>
+      <p:sp>
+        <p:nvSpPr>
+          <p:cNvPr id="16" name="Google Shape;2267;p38">
+            <a:extLst>
+              <a:ext uri="{FF2B5EF4-FFF2-40B4-BE49-F238E27FC236}">
+                <a16:creationId xmlns:a16="http://schemas.microsoft.com/office/drawing/2014/main" id="{C1DF4245-BF97-D7F0-9F94-70F455320945}"/>
+              </a:ext>
+            </a:extLst>
+          </p:cNvPr>
+          <p:cNvSpPr txBox="1"/>
+          <p:nvPr/>
+        </p:nvSpPr>
+        <p:spPr>
+          <a:xfrm>
+            <a:off x="5177969" y="3879606"/>
+            <a:ext cx="1544444" cy="533400"/>
+          </a:xfrm>
+          <a:prstGeom prst="rect">
+            <a:avLst/>
+          </a:prstGeom>
+          <a:noFill/>
+          <a:ln>
+            <a:noFill/>
+          </a:ln>
+        </p:spPr>
+        <p:txBody>
+          <a:bodyPr spcFirstLastPara="1" wrap="square" lIns="0" tIns="0" rIns="0" bIns="0" anchor="b" anchorCtr="0">
+            <a:noAutofit/>
+          </a:bodyPr>
+          <a:lstStyle/>
+          <a:p>
+            <a:pPr marL="0" marR="0" lvl="0" indent="0" algn="l" defTabSz="914400" rtl="0" eaLnBrk="1" fontAlgn="auto" latinLnBrk="0" hangingPunct="1">
+              <a:lnSpc>
+                <a:spcPct val="100000"/>
+              </a:lnSpc>
+              <a:spcBef>
+                <a:spcPts val="0"/>
+              </a:spcBef>
+              <a:spcAft>
+                <a:spcPts val="0"/>
+              </a:spcAft>
+              <a:buClr>
+                <a:srgbClr val="000000"/>
+              </a:buClr>
+              <a:buSzTx/>
+              <a:buFont typeface="Arial"/>
+              <a:buNone/>
+              <a:tabLst/>
+              <a:defRPr/>
+            </a:pPr>
+            <a:r>
+              <a:rPr lang="en-US" sz="1600" dirty="0">
+                <a:solidFill>
+                  <a:srgbClr val="757B89"/>
+                </a:solidFill>
+                <a:latin typeface="Arial" panose="020B0604020202020204" pitchFamily="34" charset="0"/>
+                <a:ea typeface="Barlow"/>
+                <a:cs typeface="Arial" panose="020B0604020202020204" pitchFamily="34" charset="0"/>
+                <a:sym typeface="Barlow"/>
+              </a:rPr>
+              <a:t>Deadlock</a:t>
+            </a:r>
+            <a:endParaRPr kumimoji="0" sz="1600" b="0" i="0" u="none" strike="noStrike" kern="0" cap="none" spc="0" normalizeH="0" baseline="0" noProof="0" dirty="0">
+              <a:ln>
+                <a:noFill/>
+              </a:ln>
+              <a:solidFill>
+                <a:srgbClr val="757B89"/>
+              </a:solidFill>
+              <a:effectLst/>
+              <a:uLnTx/>
+              <a:uFillTx/>
+              <a:latin typeface="Arial" panose="020B0604020202020204" pitchFamily="34" charset="0"/>
+              <a:ea typeface="Barlow"/>
+              <a:cs typeface="Arial" panose="020B0604020202020204" pitchFamily="34" charset="0"/>
+              <a:sym typeface="Barlow"/>
+            </a:endParaRPr>
+          </a:p>
+        </p:txBody>
+      </p:sp>
+      <p:cxnSp>
+        <p:nvCxnSpPr>
+          <p:cNvPr id="17" name="Google Shape;2266;p38">
+            <a:extLst>
+              <a:ext uri="{FF2B5EF4-FFF2-40B4-BE49-F238E27FC236}">
+                <a16:creationId xmlns:a16="http://schemas.microsoft.com/office/drawing/2014/main" id="{066E79C0-69A8-0927-288D-E71F9BBBB82C}"/>
+              </a:ext>
+            </a:extLst>
+          </p:cNvPr>
+          <p:cNvCxnSpPr>
+            <a:cxnSpLocks/>
+          </p:cNvCxnSpPr>
+          <p:nvPr/>
+        </p:nvCxnSpPr>
+        <p:spPr>
+          <a:xfrm flipV="1">
+            <a:off x="5845568" y="3124969"/>
+            <a:ext cx="0" cy="754637"/>
+          </a:xfrm>
+          <a:prstGeom prst="straightConnector1">
+            <a:avLst/>
+          </a:prstGeom>
+          <a:ln>
+            <a:headEnd type="oval" w="med" len="med"/>
+            <a:tailEnd type="oval" w="med" len="med"/>
+          </a:ln>
+        </p:spPr>
+        <p:style>
+          <a:lnRef idx="1">
+            <a:schemeClr val="accent3"/>
+          </a:lnRef>
+          <a:fillRef idx="0">
+            <a:schemeClr val="accent3"/>
+          </a:fillRef>
+          <a:effectRef idx="0">
+            <a:schemeClr val="accent3"/>
+          </a:effectRef>
+          <a:fontRef idx="minor">
+            <a:schemeClr val="tx1"/>
+          </a:fontRef>
+        </p:style>
+      </p:cxnSp>
+      <p:cxnSp>
+        <p:nvCxnSpPr>
+          <p:cNvPr id="18" name="Google Shape;2266;p38">
+            <a:extLst>
+              <a:ext uri="{FF2B5EF4-FFF2-40B4-BE49-F238E27FC236}">
+                <a16:creationId xmlns:a16="http://schemas.microsoft.com/office/drawing/2014/main" id="{1957CA07-8B9B-9A27-F274-ACC0A6A93F5C}"/>
+              </a:ext>
+            </a:extLst>
+          </p:cNvPr>
+          <p:cNvCxnSpPr>
+            <a:cxnSpLocks/>
+          </p:cNvCxnSpPr>
+          <p:nvPr/>
+        </p:nvCxnSpPr>
+        <p:spPr>
+          <a:xfrm flipV="1">
+            <a:off x="7674368" y="2025894"/>
+            <a:ext cx="0" cy="754637"/>
+          </a:xfrm>
+          <a:prstGeom prst="straightConnector1">
+            <a:avLst/>
+          </a:prstGeom>
+          <a:ln>
+            <a:headEnd type="oval" w="med" len="med"/>
+            <a:tailEnd type="oval" w="med" len="med"/>
+          </a:ln>
+        </p:spPr>
+        <p:style>
+          <a:lnRef idx="1">
+            <a:schemeClr val="accent3"/>
+          </a:lnRef>
+          <a:fillRef idx="0">
+            <a:schemeClr val="accent3"/>
+          </a:fillRef>
+          <a:effectRef idx="0">
+            <a:schemeClr val="accent3"/>
+          </a:effectRef>
+          <a:fontRef idx="minor">
+            <a:schemeClr val="tx1"/>
+          </a:fontRef>
+        </p:style>
+      </p:cxnSp>
+      <p:sp>
+        <p:nvSpPr>
+          <p:cNvPr id="19" name="Google Shape;2267;p38">
+            <a:extLst>
+              <a:ext uri="{FF2B5EF4-FFF2-40B4-BE49-F238E27FC236}">
+                <a16:creationId xmlns:a16="http://schemas.microsoft.com/office/drawing/2014/main" id="{CFD3D3C4-E5AB-F5B6-AD4E-8362A58CC2F7}"/>
+              </a:ext>
+            </a:extLst>
+          </p:cNvPr>
+          <p:cNvSpPr txBox="1"/>
+          <p:nvPr/>
+        </p:nvSpPr>
+        <p:spPr>
+          <a:xfrm>
+            <a:off x="6228577" y="1789801"/>
+            <a:ext cx="2713200" cy="226864"/>
+          </a:xfrm>
+          <a:prstGeom prst="rect">
+            <a:avLst/>
+          </a:prstGeom>
+          <a:noFill/>
+          <a:ln>
+            <a:noFill/>
+          </a:ln>
+        </p:spPr>
+        <p:txBody>
+          <a:bodyPr spcFirstLastPara="1" wrap="square" lIns="0" tIns="0" rIns="0" bIns="0" anchor="b" anchorCtr="0">
+            <a:noAutofit/>
+          </a:bodyPr>
+          <a:lstStyle/>
+          <a:p>
+            <a:pPr marL="0" marR="0" lvl="0" indent="0" algn="l" defTabSz="914400" rtl="0" eaLnBrk="1" fontAlgn="auto" latinLnBrk="0" hangingPunct="1">
+              <a:lnSpc>
+                <a:spcPct val="100000"/>
+              </a:lnSpc>
+              <a:spcBef>
+                <a:spcPts val="0"/>
+              </a:spcBef>
+              <a:spcAft>
+                <a:spcPts val="0"/>
+              </a:spcAft>
+              <a:buClr>
+                <a:srgbClr val="000000"/>
+              </a:buClr>
+              <a:buSzTx/>
+              <a:buFont typeface="Arial"/>
+              <a:buNone/>
+              <a:tabLst/>
+              <a:defRPr/>
+            </a:pPr>
+            <a:r>
+              <a:rPr kumimoji="0" lang="en-US" altLang="ko-KR" sz="1600" b="0" i="0" u="none" strike="noStrike" kern="0" cap="none" spc="0" normalizeH="0" baseline="0" noProof="0" dirty="0">
+                <a:ln>
+                  <a:noFill/>
+                </a:ln>
+                <a:solidFill>
+                  <a:srgbClr val="757B89"/>
+                </a:solidFill>
+                <a:effectLst/>
+                <a:uLnTx/>
+                <a:uFillTx/>
+                <a:latin typeface="Arial" panose="020B0604020202020204" pitchFamily="34" charset="0"/>
+                <a:ea typeface="Barlow"/>
+                <a:cs typeface="Arial" panose="020B0604020202020204" pitchFamily="34" charset="0"/>
+                <a:sym typeface="Barlow"/>
+              </a:rPr>
+              <a:t>Normalization &amp; Denormalization (</a:t>
+            </a:r>
+            <a:r>
+              <a:rPr kumimoji="0" lang="ko-KR" altLang="en-US" sz="1600" b="0" i="0" u="none" strike="noStrike" kern="0" cap="none" spc="0" normalizeH="0" baseline="0" noProof="0" dirty="0">
+                <a:ln>
+                  <a:noFill/>
+                </a:ln>
+                <a:solidFill>
+                  <a:srgbClr val="757B89"/>
+                </a:solidFill>
+                <a:effectLst/>
+                <a:uLnTx/>
+                <a:uFillTx/>
+                <a:latin typeface="Arial" panose="020B0604020202020204" pitchFamily="34" charset="0"/>
+                <a:ea typeface="Barlow"/>
+                <a:cs typeface="Arial" panose="020B0604020202020204" pitchFamily="34" charset="0"/>
+                <a:sym typeface="Barlow"/>
+              </a:rPr>
+              <a:t>정규화</a:t>
+            </a:r>
+            <a:r>
+              <a:rPr kumimoji="0" lang="en-US" altLang="ko-KR" sz="1600" b="0" i="0" u="none" strike="noStrike" kern="0" cap="none" spc="0" normalizeH="0" baseline="0" noProof="0" dirty="0">
+                <a:ln>
+                  <a:noFill/>
+                </a:ln>
+                <a:solidFill>
+                  <a:srgbClr val="757B89"/>
+                </a:solidFill>
+                <a:effectLst/>
+                <a:uLnTx/>
+                <a:uFillTx/>
+                <a:latin typeface="Arial" panose="020B0604020202020204" pitchFamily="34" charset="0"/>
+                <a:ea typeface="Barlow"/>
+                <a:cs typeface="Arial" panose="020B0604020202020204" pitchFamily="34" charset="0"/>
+                <a:sym typeface="Barlow"/>
+              </a:rPr>
+              <a:t>, </a:t>
+            </a:r>
+            <a:r>
+              <a:rPr kumimoji="0" lang="ko-KR" altLang="en-US" sz="1600" b="0" i="0" u="none" strike="noStrike" kern="0" cap="none" spc="0" normalizeH="0" baseline="0" noProof="0" dirty="0">
+                <a:ln>
+                  <a:noFill/>
+                </a:ln>
+                <a:solidFill>
+                  <a:srgbClr val="757B89"/>
+                </a:solidFill>
+                <a:effectLst/>
+                <a:uLnTx/>
+                <a:uFillTx/>
+                <a:latin typeface="Arial" panose="020B0604020202020204" pitchFamily="34" charset="0"/>
+                <a:ea typeface="Barlow"/>
+                <a:cs typeface="Arial" panose="020B0604020202020204" pitchFamily="34" charset="0"/>
+                <a:sym typeface="Barlow"/>
+              </a:rPr>
+              <a:t>비정규화</a:t>
+            </a:r>
+            <a:endParaRPr kumimoji="0" sz="1600" b="0" i="0" u="none" strike="noStrike" kern="0" cap="none" spc="0" normalizeH="0" baseline="0" noProof="0" dirty="0">
+              <a:ln>
+                <a:noFill/>
+              </a:ln>
+              <a:solidFill>
+                <a:srgbClr val="757B89"/>
+              </a:solidFill>
+              <a:effectLst/>
+              <a:uLnTx/>
+              <a:uFillTx/>
+              <a:latin typeface="Arial" panose="020B0604020202020204" pitchFamily="34" charset="0"/>
+              <a:ea typeface="Barlow"/>
+              <a:cs typeface="Arial" panose="020B0604020202020204" pitchFamily="34" charset="0"/>
+              <a:sym typeface="Barlow"/>
+            </a:endParaRPr>
+          </a:p>
+        </p:txBody>
+      </p:sp>
+    </p:spTree>
+    <p:extLst>
+      <p:ext uri="{BB962C8B-B14F-4D97-AF65-F5344CB8AC3E}">
+        <p14:creationId xmlns:p14="http://schemas.microsoft.com/office/powerpoint/2010/main" val="4190017244"/>
       </p:ext>
     </p:extLst>
   </p:cSld>
